--- a/19楼个人空间产品BRD需求文档.pptx
+++ b/19楼个人空间产品BRD需求文档.pptx
@@ -5,10 +5,10 @@
     <p:sldMasterId id="2147483648" r:id="rId1"/>
   </p:sldMasterIdLst>
   <p:notesMasterIdLst>
-    <p:notesMasterId r:id="rId13"/>
+    <p:notesMasterId r:id="rId14"/>
   </p:notesMasterIdLst>
   <p:handoutMasterIdLst>
-    <p:handoutMasterId r:id="rId14"/>
+    <p:handoutMasterId r:id="rId15"/>
   </p:handoutMasterIdLst>
   <p:sldIdLst>
     <p:sldId id="256" r:id="rId2"/>
@@ -22,6 +22,7 @@
     <p:sldId id="262" r:id="rId10"/>
     <p:sldId id="263" r:id="rId11"/>
     <p:sldId id="264" r:id="rId12"/>
+    <p:sldId id="267" r:id="rId13"/>
   </p:sldIdLst>
   <p:sldSz cx="9144000" cy="6858000" type="screen4x3"/>
   <p:notesSz cx="6858000" cy="9144000"/>
@@ -155,47 +156,22 @@
 
 <file path=ppt/charts/chart1.xml><?xml version="1.0" encoding="utf-8"?>
 <c:chartSpace xmlns:c="http://schemas.openxmlformats.org/drawingml/2006/chart" xmlns:a="http://schemas.openxmlformats.org/drawingml/2006/main" xmlns:r="http://schemas.openxmlformats.org/officeDocument/2006/relationships">
-  <c:date1904 val="0"/>
   <c:lang val="zh-CN"/>
-  <c:roundedCorners val="0"/>
-  <mc:AlternateContent xmlns:mc="http://schemas.openxmlformats.org/markup-compatibility/2006">
-    <mc:Choice xmlns:c14="http://schemas.microsoft.com/office/drawing/2007/8/2/chart" Requires="c14">
-      <c14:style val="102"/>
-    </mc:Choice>
-    <mc:Fallback>
-      <c:style val="2"/>
-    </mc:Fallback>
-  </mc:AlternateContent>
   <c:chart>
     <c:autoTitleDeleted val="1"/>
     <c:view3D>
-      <c:rotX val="15"/>
-      <c:rotY val="20"/>
       <c:rAngAx val="1"/>
     </c:view3D>
-    <c:floor>
-      <c:thickness val="0"/>
-    </c:floor>
-    <c:sideWall>
-      <c:thickness val="0"/>
-    </c:sideWall>
-    <c:backWall>
-      <c:thickness val="0"/>
-    </c:backWall>
     <c:plotArea>
       <c:layout/>
       <c:bar3DChart>
         <c:barDir val="col"/>
         <c:grouping val="clustered"/>
-        <c:varyColors val="0"/>
         <c:ser>
           <c:idx val="0"/>
           <c:order val="0"/>
-          <c:invertIfNegative val="0"/>
           <c:dPt>
             <c:idx val="1"/>
-            <c:invertIfNegative val="0"/>
-            <c:bubble3D val="0"/>
             <c:spPr>
               <a:solidFill>
                 <a:schemeClr val="accent2">
@@ -228,55 +204,45 @@
                   <c:v>0.12100000000000002</c:v>
                 </c:pt>
                 <c:pt idx="1">
-                  <c:v>0.87800000000000089</c:v>
+                  <c:v>0.878000000000001</c:v>
                 </c:pt>
               </c:numCache>
             </c:numRef>
           </c:val>
         </c:ser>
         <c:dLbls>
-          <c:showLegendKey val="0"/>
           <c:showVal val="1"/>
-          <c:showCatName val="0"/>
-          <c:showSerName val="0"/>
-          <c:showPercent val="0"/>
-          <c:showBubbleSize val="0"/>
         </c:dLbls>
         <c:gapWidth val="75"/>
         <c:shape val="box"/>
-        <c:axId val="36811904"/>
-        <c:axId val="36813440"/>
+        <c:axId val="81474688"/>
+        <c:axId val="81476224"/>
         <c:axId val="0"/>
       </c:bar3DChart>
       <c:catAx>
-        <c:axId val="36811904"/>
+        <c:axId val="81474688"/>
         <c:scaling>
           <c:orientation val="minMax"/>
         </c:scaling>
-        <c:delete val="0"/>
         <c:axPos val="b"/>
         <c:majorTickMark val="none"/>
-        <c:minorTickMark val="none"/>
         <c:tickLblPos val="nextTo"/>
-        <c:crossAx val="36813440"/>
+        <c:crossAx val="81476224"/>
         <c:crosses val="autoZero"/>
         <c:auto val="1"/>
         <c:lblAlgn val="ctr"/>
         <c:lblOffset val="100"/>
-        <c:noMultiLvlLbl val="0"/>
       </c:catAx>
       <c:valAx>
-        <c:axId val="36813440"/>
+        <c:axId val="81476224"/>
         <c:scaling>
           <c:orientation val="minMax"/>
         </c:scaling>
-        <c:delete val="0"/>
         <c:axPos val="l"/>
         <c:numFmt formatCode="0.00%" sourceLinked="1"/>
         <c:majorTickMark val="none"/>
-        <c:minorTickMark val="none"/>
         <c:tickLblPos val="nextTo"/>
-        <c:crossAx val="36811904"/>
+        <c:crossAx val="81474688"/>
         <c:crosses val="autoZero"/>
         <c:crossBetween val="between"/>
       </c:valAx>
@@ -284,11 +250,9 @@
     <c:legend>
       <c:legendPos val="b"/>
       <c:layout/>
-      <c:overlay val="0"/>
     </c:legend>
     <c:plotVisOnly val="1"/>
     <c:dispBlanksAs val="gap"/>
-    <c:showDLblsOverMax val="0"/>
   </c:chart>
   <c:txPr>
     <a:bodyPr/>
@@ -303,42 +267,19 @@
       <a:endParaRPr lang="zh-CN"/>
     </a:p>
   </c:txPr>
-  <c:externalData r:id="rId1">
-    <c:autoUpdate val="0"/>
-  </c:externalData>
+  <c:externalData r:id="rId1"/>
 </c:chartSpace>
 </file>
 
 <file path=ppt/charts/chart2.xml><?xml version="1.0" encoding="utf-8"?>
 <c:chartSpace xmlns:c="http://schemas.openxmlformats.org/drawingml/2006/chart" xmlns:a="http://schemas.openxmlformats.org/drawingml/2006/main" xmlns:r="http://schemas.openxmlformats.org/officeDocument/2006/relationships">
-  <c:date1904 val="0"/>
   <c:lang val="zh-CN"/>
-  <c:roundedCorners val="0"/>
-  <mc:AlternateContent xmlns:mc="http://schemas.openxmlformats.org/markup-compatibility/2006">
-    <mc:Choice xmlns:c14="http://schemas.microsoft.com/office/drawing/2007/8/2/chart" Requires="c14">
-      <c14:style val="102"/>
-    </mc:Choice>
-    <mc:Fallback>
-      <c:style val="2"/>
-    </mc:Fallback>
-  </mc:AlternateContent>
   <c:chart>
     <c:autoTitleDeleted val="1"/>
     <c:view3D>
       <c:rotX val="30"/>
-      <c:rotY val="0"/>
-      <c:rAngAx val="0"/>
       <c:perspective val="30"/>
     </c:view3D>
-    <c:floor>
-      <c:thickness val="0"/>
-    </c:floor>
-    <c:sideWall>
-      <c:thickness val="0"/>
-    </c:sideWall>
-    <c:backWall>
-      <c:thickness val="0"/>
-    </c:backWall>
     <c:plotArea>
       <c:layout/>
       <c:pie3DChart>
@@ -377,10 +318,10 @@
                   <c:v>0.13100000000000001</c:v>
                 </c:pt>
                 <c:pt idx="1">
-                  <c:v>0.37400000000000039</c:v>
+                  <c:v>0.37400000000000044</c:v>
                 </c:pt>
                 <c:pt idx="2">
-                  <c:v>0.37700000000000039</c:v>
+                  <c:v>0.37700000000000045</c:v>
                 </c:pt>
                 <c:pt idx="3">
                   <c:v>0.11600000000000002</c:v>
@@ -390,24 +331,16 @@
           </c:val>
         </c:ser>
         <c:dLbls>
-          <c:showLegendKey val="0"/>
-          <c:showVal val="0"/>
-          <c:showCatName val="0"/>
-          <c:showSerName val="0"/>
           <c:showPercent val="1"/>
-          <c:showBubbleSize val="0"/>
-          <c:showLeaderLines val="0"/>
         </c:dLbls>
       </c:pie3DChart>
     </c:plotArea>
     <c:legend>
       <c:legendPos val="r"/>
       <c:layout/>
-      <c:overlay val="0"/>
     </c:legend>
     <c:plotVisOnly val="1"/>
-    <c:dispBlanksAs val="gap"/>
-    <c:showDLblsOverMax val="0"/>
+    <c:dispBlanksAs val="zero"/>
   </c:chart>
   <c:txPr>
     <a:bodyPr/>
@@ -422,42 +355,19 @@
       <a:endParaRPr lang="zh-CN"/>
     </a:p>
   </c:txPr>
-  <c:externalData r:id="rId1">
-    <c:autoUpdate val="0"/>
-  </c:externalData>
+  <c:externalData r:id="rId1"/>
 </c:chartSpace>
 </file>
 
 <file path=ppt/charts/chart3.xml><?xml version="1.0" encoding="utf-8"?>
 <c:chartSpace xmlns:c="http://schemas.openxmlformats.org/drawingml/2006/chart" xmlns:a="http://schemas.openxmlformats.org/drawingml/2006/main" xmlns:r="http://schemas.openxmlformats.org/officeDocument/2006/relationships">
-  <c:date1904 val="0"/>
   <c:lang val="zh-CN"/>
-  <c:roundedCorners val="0"/>
-  <mc:AlternateContent xmlns:mc="http://schemas.openxmlformats.org/markup-compatibility/2006">
-    <mc:Choice xmlns:c14="http://schemas.microsoft.com/office/drawing/2007/8/2/chart" Requires="c14">
-      <c14:style val="102"/>
-    </mc:Choice>
-    <mc:Fallback>
-      <c:style val="2"/>
-    </mc:Fallback>
-  </mc:AlternateContent>
   <c:chart>
     <c:autoTitleDeleted val="1"/>
     <c:view3D>
       <c:rotX val="30"/>
-      <c:rotY val="0"/>
-      <c:rAngAx val="0"/>
       <c:perspective val="30"/>
     </c:view3D>
-    <c:floor>
-      <c:thickness val="0"/>
-    </c:floor>
-    <c:sideWall>
-      <c:thickness val="0"/>
-    </c:sideWall>
-    <c:backWall>
-      <c:thickness val="0"/>
-    </c:backWall>
     <c:plotArea>
       <c:layout/>
       <c:pie3DChart>
@@ -505,7 +415,7 @@
                   <c:v>4.8400000000000012E-2</c:v>
                 </c:pt>
                 <c:pt idx="3">
-                  <c:v>7.7700000000000102E-2</c:v>
+                  <c:v>7.7700000000000116E-2</c:v>
                 </c:pt>
                 <c:pt idx="4">
                   <c:v>0.25600000000000001</c:v>
@@ -515,24 +425,16 @@
           </c:val>
         </c:ser>
         <c:dLbls>
-          <c:showLegendKey val="0"/>
-          <c:showVal val="0"/>
-          <c:showCatName val="0"/>
-          <c:showSerName val="0"/>
           <c:showPercent val="1"/>
-          <c:showBubbleSize val="0"/>
-          <c:showLeaderLines val="0"/>
         </c:dLbls>
       </c:pie3DChart>
     </c:plotArea>
     <c:legend>
       <c:legendPos val="r"/>
       <c:layout/>
-      <c:overlay val="0"/>
     </c:legend>
     <c:plotVisOnly val="1"/>
-    <c:dispBlanksAs val="gap"/>
-    <c:showDLblsOverMax val="0"/>
+    <c:dispBlanksAs val="zero"/>
   </c:chart>
   <c:txPr>
     <a:bodyPr/>
@@ -547,9 +449,7 @@
       <a:endParaRPr lang="zh-CN"/>
     </a:p>
   </c:txPr>
-  <c:externalData r:id="rId1">
-    <c:autoUpdate val="0"/>
-  </c:externalData>
+  <c:externalData r:id="rId1"/>
 </c:chartSpace>
 </file>
 
@@ -662,7 +562,7 @@
               <a:pPr>
                 <a:defRPr/>
               </a:pPr>
-              <a:t>2012/4/18</a:t>
+              <a:t>2013/8/28</a:t>
             </a:fld>
             <a:endParaRPr lang="zh-CN" altLang="en-US"/>
           </a:p>
@@ -764,7 +664,7 @@
     </p:spTree>
     <p:extLst>
       <p:ext uri="{BB962C8B-B14F-4D97-AF65-F5344CB8AC3E}">
-        <p14:creationId xmlns:p14="http://schemas.microsoft.com/office/powerpoint/2010/main" val="2958820525"/>
+        <p14:creationId xmlns:p14="http://schemas.microsoft.com/office/powerpoint/2010/main" xmlns="" val="2958820525"/>
       </p:ext>
     </p:extLst>
   </p:cSld>
@@ -867,7 +767,7 @@
               <a:pPr>
                 <a:defRPr/>
               </a:pPr>
-              <a:t>2012/4/18</a:t>
+              <a:t>2013/8/28</a:t>
             </a:fld>
             <a:endParaRPr lang="zh-CN" altLang="en-US"/>
           </a:p>
@@ -1050,7 +950,7 @@
     </p:spTree>
     <p:extLst>
       <p:ext uri="{BB962C8B-B14F-4D97-AF65-F5344CB8AC3E}">
-        <p14:creationId xmlns:p14="http://schemas.microsoft.com/office/powerpoint/2010/main" val="1843039577"/>
+        <p14:creationId xmlns:p14="http://schemas.microsoft.com/office/powerpoint/2010/main" xmlns="" val="1843039577"/>
       </p:ext>
     </p:extLst>
   </p:cSld>
@@ -1322,7 +1222,7 @@
           <p:nvPr userDrawn="1"/>
         </p:nvPicPr>
         <p:blipFill>
-          <a:blip r:embed="rId2"/>
+          <a:blip r:embed="rId2" cstate="print"/>
           <a:srcRect/>
           <a:stretch>
             <a:fillRect/>
@@ -1634,7 +1534,7 @@
               <a:pPr>
                 <a:defRPr/>
               </a:pPr>
-              <a:t>2012/4/18</a:t>
+              <a:t>2013/8/28</a:t>
             </a:fld>
             <a:endParaRPr lang="zh-CN" altLang="en-US"/>
           </a:p>
@@ -1836,7 +1736,7 @@
               <a:pPr>
                 <a:defRPr/>
               </a:pPr>
-              <a:t>2012/4/18</a:t>
+              <a:t>2013/8/28</a:t>
             </a:fld>
             <a:endParaRPr lang="zh-CN" altLang="en-US"/>
           </a:p>
@@ -2028,7 +1928,7 @@
           <p:nvPr userDrawn="1"/>
         </p:nvPicPr>
         <p:blipFill>
-          <a:blip r:embed="rId2"/>
+          <a:blip r:embed="rId2" cstate="print"/>
           <a:srcRect/>
           <a:stretch>
             <a:fillRect/>
@@ -2060,7 +1960,7 @@
           <p:nvPr userDrawn="1"/>
         </p:nvPicPr>
         <p:blipFill>
-          <a:blip r:embed="rId3"/>
+          <a:blip r:embed="rId3" cstate="print"/>
           <a:srcRect/>
           <a:stretch>
             <a:fillRect/>
@@ -2374,7 +2274,7 @@
               <a:pPr>
                 <a:defRPr/>
               </a:pPr>
-              <a:t>2012/4/18</a:t>
+              <a:t>2013/8/28</a:t>
             </a:fld>
             <a:endParaRPr lang="zh-CN" altLang="en-US"/>
           </a:p>
@@ -2684,7 +2584,7 @@
               <a:pPr>
                 <a:defRPr/>
               </a:pPr>
-              <a:t>2012/4/18</a:t>
+              <a:t>2013/8/28</a:t>
             </a:fld>
             <a:endParaRPr lang="zh-CN" altLang="en-US"/>
           </a:p>
@@ -3128,7 +3028,7 @@
               <a:pPr>
                 <a:defRPr/>
               </a:pPr>
-              <a:t>2012/4/18</a:t>
+              <a:t>2013/8/28</a:t>
             </a:fld>
             <a:endParaRPr lang="zh-CN" altLang="en-US"/>
           </a:p>
@@ -3268,7 +3168,7 @@
               <a:pPr>
                 <a:defRPr/>
               </a:pPr>
-              <a:t>2012/4/18</a:t>
+              <a:t>2013/8/28</a:t>
             </a:fld>
             <a:endParaRPr lang="zh-CN" altLang="en-US"/>
           </a:p>
@@ -3385,7 +3285,7 @@
               <a:pPr>
                 <a:defRPr/>
               </a:pPr>
-              <a:t>2012/4/18</a:t>
+              <a:t>2013/8/28</a:t>
             </a:fld>
             <a:endParaRPr lang="zh-CN" altLang="en-US"/>
           </a:p>
@@ -3684,7 +3584,7 @@
               <a:pPr>
                 <a:defRPr/>
               </a:pPr>
-              <a:t>2012/4/18</a:t>
+              <a:t>2013/8/28</a:t>
             </a:fld>
             <a:endParaRPr lang="zh-CN" altLang="en-US"/>
           </a:p>
@@ -3962,7 +3862,7 @@
               <a:pPr>
                 <a:defRPr/>
               </a:pPr>
-              <a:t>2012/4/18</a:t>
+              <a:t>2013/8/28</a:t>
             </a:fld>
             <a:endParaRPr lang="zh-CN" altLang="en-US"/>
           </a:p>
@@ -4041,7 +3941,7 @@
     <p:bg>
       <p:bgPr>
         <a:blipFill dpi="0" rotWithShape="0">
-          <a:blip r:embed="rId13"/>
+          <a:blip r:embed="rId13" cstate="print"/>
           <a:srcRect/>
           <a:stretch>
             <a:fillRect/>
@@ -4225,7 +4125,7 @@
               <a:pPr>
                 <a:defRPr/>
               </a:pPr>
-              <a:t>2012/4/18</a:t>
+              <a:t>2013/8/28</a:t>
             </a:fld>
             <a:endParaRPr lang="zh-CN" altLang="en-US"/>
           </a:p>
@@ -5365,6 +5265,73 @@
 </p:sld>
 </file>
 
+<file path=ppt/slides/slide12.xml><?xml version="1.0" encoding="utf-8"?>
+<p:sld xmlns:a="http://schemas.openxmlformats.org/drawingml/2006/main" xmlns:r="http://schemas.openxmlformats.org/officeDocument/2006/relationships" xmlns:p="http://schemas.openxmlformats.org/presentationml/2006/main">
+  <p:cSld>
+    <p:spTree>
+      <p:nvGrpSpPr>
+        <p:cNvPr id="1" name=""/>
+        <p:cNvGrpSpPr/>
+        <p:nvPr/>
+      </p:nvGrpSpPr>
+      <p:grpSpPr>
+        <a:xfrm>
+          <a:off x="0" y="0"/>
+          <a:ext cx="0" cy="0"/>
+          <a:chOff x="0" y="0"/>
+          <a:chExt cx="0" cy="0"/>
+        </a:xfrm>
+      </p:grpSpPr>
+      <p:sp>
+        <p:nvSpPr>
+          <p:cNvPr id="2" name="内容占位符 1"/>
+          <p:cNvSpPr>
+            <a:spLocks noGrp="1"/>
+          </p:cNvSpPr>
+          <p:nvPr>
+            <p:ph idx="1"/>
+          </p:nvPr>
+        </p:nvSpPr>
+        <p:spPr/>
+        <p:txBody>
+          <a:bodyPr/>
+          <a:lstStyle/>
+          <a:p>
+            <a:r>
+              <a:rPr lang="zh-CN" altLang="en-US" dirty="0" smtClean="0"/>
+              <a:t>新建了一个页面，</a:t>
+            </a:r>
+            <a:endParaRPr lang="en-US" altLang="zh-CN" dirty="0" smtClean="0"/>
+          </a:p>
+          <a:p>
+            <a:r>
+              <a:rPr lang="zh-CN" altLang="en-US" dirty="0" smtClean="0"/>
+              <a:t>为的是</a:t>
+            </a:r>
+            <a:r>
+              <a:rPr lang="zh-CN" altLang="en-US" dirty="0" smtClean="0"/>
+              <a:t>实验</a:t>
+            </a:r>
+            <a:r>
+              <a:rPr lang="en-US" altLang="zh-CN" dirty="0" err="1" smtClean="0"/>
+              <a:t>git</a:t>
+            </a:r>
+            <a:r>
+              <a:rPr lang="zh-CN" altLang="en-US" smtClean="0"/>
+              <a:t>的对应反应</a:t>
+            </a:r>
+            <a:endParaRPr lang="zh-CN" altLang="en-US" dirty="0"/>
+          </a:p>
+        </p:txBody>
+      </p:sp>
+    </p:spTree>
+  </p:cSld>
+  <p:clrMapOvr>
+    <a:masterClrMapping/>
+  </p:clrMapOvr>
+</p:sld>
+</file>
+
 <file path=ppt/slides/slide2.xml><?xml version="1.0" encoding="utf-8"?>
 <p:sld xmlns:a="http://schemas.openxmlformats.org/drawingml/2006/main" xmlns:r="http://schemas.openxmlformats.org/officeDocument/2006/relationships" xmlns:p="http://schemas.openxmlformats.org/presentationml/2006/main">
   <p:cSld>
@@ -5688,7 +5655,7 @@
           <p:nvPr/>
         </p:nvPicPr>
         <p:blipFill>
-          <a:blip r:embed="rId2"/>
+          <a:blip r:embed="rId2" cstate="print"/>
           <a:srcRect/>
           <a:stretch>
             <a:fillRect/>
@@ -5720,7 +5687,7 @@
           <p:nvPr/>
         </p:nvPicPr>
         <p:blipFill>
-          <a:blip r:embed="rId3"/>
+          <a:blip r:embed="rId3" cstate="print"/>
           <a:srcRect/>
           <a:stretch>
             <a:fillRect/>
@@ -8425,7 +8392,7 @@
           <p:nvPr/>
         </p:nvPicPr>
         <p:blipFill>
-          <a:blip r:embed="rId2"/>
+          <a:blip r:embed="rId2" cstate="print"/>
           <a:srcRect/>
           <a:stretch>
             <a:fillRect/>
@@ -8798,7 +8765,7 @@
           <p:nvPr/>
         </p:nvPicPr>
         <p:blipFill>
-          <a:blip r:embed="rId2"/>
+          <a:blip r:embed="rId2" cstate="print"/>
           <a:srcRect/>
           <a:stretch>
             <a:fillRect/>
@@ -9200,7 +9167,7 @@
           <p:nvPr/>
         </p:nvPicPr>
         <p:blipFill>
-          <a:blip r:embed="rId2"/>
+          <a:blip r:embed="rId2" cstate="print"/>
           <a:srcRect/>
           <a:stretch>
             <a:fillRect/>
